--- a/preliminary_HDC_MichaelFatjanov.pptx
+++ b/preliminary_HDC_MichaelFatjanov.pptx
@@ -9086,7 +9086,25 @@
             </a:endParaRPr>
           </a:p>
           <a:p>
-            <a:pPr marL="1028700" lvl="1" indent="-571500">
+            <a:pPr marL="0" lvl="0" indent="0">
+              <a:lnSpc>
+                <a:spcPct val="120000"/>
+              </a:lnSpc>
+              <a:spcBef>
+                <a:spcPts val="1415"/>
+              </a:spcBef>
+              <a:buFont typeface="Arial" panose="02080604020202020204" pitchFamily="34" charset="0"/>
+              <a:buNone/>
+            </a:pPr>
+            <a:endParaRPr lang="en-GB" altLang="en-US" sz="3500" b="0" strike="noStrike" spc="-1">
+              <a:solidFill>
+                <a:srgbClr val="000000"/>
+              </a:solidFill>
+              <a:latin typeface="Arial"/>
+            </a:endParaRPr>
+          </a:p>
+          <a:p>
+            <a:pPr marL="571500" lvl="0" indent="-571500">
               <a:lnSpc>
                 <a:spcPct val="120000"/>
               </a:lnSpc>
@@ -9096,6 +9114,16 @@
               <a:buFont typeface="Arial" panose="02080604020202020204" pitchFamily="34" charset="0"/>
               <a:buChar char="•"/>
             </a:pPr>
+            <a:r>
+              <a:rPr lang="en-GB" altLang="en-US" sz="3500" b="0" strike="noStrike">
+                <a:solidFill>
+                  <a:srgbClr val="000000"/>
+                </a:solidFill>
+                <a:latin typeface="Arial"/>
+                <a:sym typeface="+mn-ea"/>
+              </a:rPr>
+              <a:t>Could we implement an unsupervised learning method based on HDC?</a:t>
+            </a:r>
             <a:endParaRPr lang="en-GB" altLang="en-US" sz="3500" b="0" strike="noStrike" spc="-1">
               <a:solidFill>
                 <a:srgbClr val="000000"/>
@@ -9114,6 +9142,34 @@
               <a:buFont typeface="Arial" panose="02080604020202020204" pitchFamily="34" charset="0"/>
               <a:buChar char="•"/>
             </a:pPr>
+            <a:endParaRPr lang="en-GB" altLang="en-US" sz="3500" b="0" strike="noStrike" spc="-1">
+              <a:solidFill>
+                <a:srgbClr val="000000"/>
+              </a:solidFill>
+              <a:latin typeface="Arial"/>
+            </a:endParaRPr>
+          </a:p>
+          <a:p>
+            <a:pPr marL="571500" lvl="0" indent="-571500">
+              <a:lnSpc>
+                <a:spcPct val="120000"/>
+              </a:lnSpc>
+              <a:spcBef>
+                <a:spcPts val="1415"/>
+              </a:spcBef>
+              <a:buFont typeface="Arial" panose="02080604020202020204" pitchFamily="34" charset="0"/>
+              <a:buChar char="•"/>
+            </a:pPr>
+            <a:r>
+              <a:rPr lang="en-GB" altLang="en-US" sz="3500" b="0" strike="noStrike">
+                <a:solidFill>
+                  <a:srgbClr val="000000"/>
+                </a:solidFill>
+                <a:latin typeface="Arial"/>
+                <a:sym typeface="+mn-ea"/>
+              </a:rPr>
+              <a:t>Similarity search		 benchmark against BLAST</a:t>
+            </a:r>
             <a:r>
               <a:rPr lang="en-GB" altLang="en-US" sz="3500" b="0" strike="noStrike" spc="-1">
                 <a:solidFill>
@@ -9121,52 +9177,7 @@
                 </a:solidFill>
                 <a:latin typeface="Arial"/>
               </a:rPr>
-              <a:t>Similarity seach		Benchmark against BLAST?</a:t>
-            </a:r>
-            <a:endParaRPr lang="en-GB" altLang="en-US" sz="3500" b="0" strike="noStrike" spc="-1">
-              <a:solidFill>
-                <a:srgbClr val="000000"/>
-              </a:solidFill>
-              <a:latin typeface="Arial"/>
-            </a:endParaRPr>
-          </a:p>
-          <a:p>
-            <a:pPr marL="571500" lvl="0" indent="-571500">
-              <a:lnSpc>
-                <a:spcPct val="120000"/>
-              </a:lnSpc>
-              <a:spcBef>
-                <a:spcPts val="1415"/>
-              </a:spcBef>
-              <a:buFont typeface="Arial" panose="02080604020202020204" pitchFamily="34" charset="0"/>
-              <a:buChar char="•"/>
-            </a:pPr>
-            <a:endParaRPr lang="en-GB" altLang="en-US" sz="3500" b="0" strike="noStrike" spc="-1">
-              <a:solidFill>
-                <a:srgbClr val="000000"/>
-              </a:solidFill>
-              <a:latin typeface="Arial"/>
-            </a:endParaRPr>
-          </a:p>
-          <a:p>
-            <a:pPr marL="571500" lvl="0" indent="-571500">
-              <a:lnSpc>
-                <a:spcPct val="120000"/>
-              </a:lnSpc>
-              <a:spcBef>
-                <a:spcPts val="1415"/>
-              </a:spcBef>
-              <a:buFont typeface="Arial" panose="02080604020202020204" pitchFamily="34" charset="0"/>
-              <a:buChar char="•"/>
-            </a:pPr>
-            <a:r>
-              <a:rPr lang="en-GB" altLang="en-US" sz="3500" b="0" strike="noStrike" spc="-1">
-                <a:solidFill>
-                  <a:srgbClr val="000000"/>
-                </a:solidFill>
-                <a:latin typeface="Arial"/>
-              </a:rPr>
-              <a:t>Could we implement an unsupervised learning method based on HDC?</a:t>
+              <a:t>?</a:t>
             </a:r>
             <a:endParaRPr lang="en-GB" altLang="en-US" sz="3500" b="0" strike="noStrike" spc="-1">
               <a:solidFill>
@@ -9296,7 +9307,7 @@
         </p:nvCxnSpPr>
         <p:spPr>
           <a:xfrm>
-            <a:off x="4493260" y="3580765"/>
+            <a:off x="4637405" y="4948555"/>
             <a:ext cx="863600" cy="0"/>
           </a:xfrm>
           <a:prstGeom prst="straightConnector1">
@@ -9584,7 +9595,7 @@
         <p:spPr>
           <a:xfrm>
             <a:off x="13053060" y="5448935"/>
-            <a:ext cx="1358265" cy="553085"/>
+            <a:ext cx="1374775" cy="553085"/>
           </a:xfrm>
           <a:prstGeom prst="rect">
             <a:avLst/>
@@ -9598,7 +9609,7 @@
           <a:p>
             <a:r>
               <a:rPr lang="en-GB" altLang="en-US" sz="3000"/>
-              <a:t>ESM 2</a:t>
+              <a:t>ESM-2</a:t>
             </a:r>
             <a:endParaRPr lang="en-GB" altLang="en-US" sz="3000"/>
           </a:p>
@@ -9925,24 +9936,6 @@
               <a:latin typeface="Arial"/>
             </a:endParaRPr>
           </a:p>
-          <a:p>
-            <a:pPr marL="1028700" lvl="1" indent="-571500">
-              <a:lnSpc>
-                <a:spcPct val="120000"/>
-              </a:lnSpc>
-              <a:spcBef>
-                <a:spcPts val="1415"/>
-              </a:spcBef>
-              <a:buFont typeface="Arial" panose="02080604020202020204" pitchFamily="34" charset="0"/>
-              <a:buChar char="•"/>
-            </a:pPr>
-            <a:endParaRPr lang="en-GB" altLang="en-US" sz="3500" b="0" strike="noStrike" spc="-1">
-              <a:solidFill>
-                <a:srgbClr val="000000"/>
-              </a:solidFill>
-              <a:latin typeface="Arial"/>
-            </a:endParaRPr>
-          </a:p>
         </p:txBody>
       </p:sp>
       <p:sp>
@@ -10684,8 +10677,8 @@
         </p:blipFill>
         <p:spPr>
           <a:xfrm>
-            <a:off x="10901045" y="2356485"/>
-            <a:ext cx="5509260" cy="2294890"/>
+            <a:off x="10614025" y="2068195"/>
+            <a:ext cx="6257290" cy="2606675"/>
           </a:xfrm>
           <a:prstGeom prst="rect">
             <a:avLst/>
@@ -11500,24 +11493,7 @@
                 </a:solidFill>
                 <a:latin typeface="Arial"/>
               </a:rPr>
-              <a:t>Serves as inspiration for further protein engineering</a:t>
-            </a:r>
-            <a:br>
-              <a:rPr lang="en-GB" altLang="en-US" sz="4000" b="0" strike="noStrike" spc="-1">
-                <a:solidFill>
-                  <a:srgbClr val="000000"/>
-                </a:solidFill>
-                <a:latin typeface="Arial"/>
-              </a:rPr>
-            </a:br>
-            <a:r>
-              <a:rPr lang="en-GB" altLang="en-US" sz="4000" b="0" strike="noStrike" spc="-1">
-                <a:solidFill>
-                  <a:srgbClr val="000000"/>
-                </a:solidFill>
-                <a:latin typeface="Arial"/>
-              </a:rPr>
-              <a:t>(enzybiotics)</a:t>
+              <a:t>Serves as inspiration for further research in protein engineering (enzybiotics)</a:t>
             </a:r>
             <a:endParaRPr lang="en-GB" altLang="en-US" sz="4000" b="0" strike="noStrike" spc="-1">
               <a:solidFill>
@@ -11565,7 +11541,7 @@
         </p:blipFill>
         <p:spPr>
           <a:xfrm>
-            <a:off x="3197225" y="4949190"/>
+            <a:off x="3268980" y="5339715"/>
             <a:ext cx="10927715" cy="3609340"/>
           </a:xfrm>
           <a:prstGeom prst="rect">
@@ -11677,8 +11653,8 @@
         </p:nvSpPr>
         <p:spPr>
           <a:xfrm>
-            <a:off x="835920" y="1194480"/>
-            <a:ext cx="15699240" cy="6695640"/>
+            <a:off x="835660" y="1194435"/>
+            <a:ext cx="15699105" cy="7010400"/>
           </a:xfrm>
           <a:prstGeom prst="rect">
             <a:avLst/>
@@ -11690,7 +11666,7 @@
         </p:spPr>
         <p:txBody>
           <a:bodyPr anchor="t">
-            <a:normAutofit/>
+            <a:normAutofit fontScale="90000" lnSpcReduction="10000"/>
           </a:bodyPr>
           <a:p>
             <a:pPr marL="0" indent="0">
@@ -11704,7 +11680,7 @@
               <a:buNone/>
             </a:pPr>
             <a:r>
-              <a:rPr lang="en-GB" altLang="en-US" sz="4000" b="0" strike="noStrike" spc="-1">
+              <a:rPr lang="en-GB" altLang="en-US" sz="4000" b="0" u="sng" strike="noStrike" spc="-1">
                 <a:solidFill>
                   <a:srgbClr val="000000"/>
                 </a:solidFill>
@@ -11712,7 +11688,7 @@
               </a:rPr>
               <a:t>Simulate classification experiment in paper</a:t>
             </a:r>
-            <a:endParaRPr lang="en-GB" altLang="en-US" sz="4000" b="0" strike="noStrike" spc="-1">
+            <a:endParaRPr lang="en-GB" altLang="en-US" sz="4000" b="0" u="sng" strike="noStrike" spc="-1">
               <a:solidFill>
                 <a:srgbClr val="000000"/>
               </a:solidFill>
@@ -11737,8 +11713,16 @@
                 </a:solidFill>
                 <a:latin typeface="Arial"/>
               </a:rPr>
-              <a:t>Virion-associated lysins vs. endolysins</a:t>
+              <a:t>Virion-associated lysins (VALs) vs. endolysins</a:t>
             </a:r>
+            <a:br>
+              <a:rPr lang="en-GB" altLang="en-US" sz="3000" b="0" strike="noStrike" spc="-1">
+                <a:solidFill>
+                  <a:srgbClr val="000000"/>
+                </a:solidFill>
+                <a:latin typeface="Arial"/>
+              </a:rPr>
+            </a:br>
             <a:endParaRPr lang="en-GB" altLang="en-US" sz="3000" b="0" strike="noStrike" spc="-1">
               <a:solidFill>
                 <a:srgbClr val="000000"/>
@@ -11764,8 +11748,16 @@
                 </a:solidFill>
                 <a:latin typeface="Arial"/>
               </a:rPr>
-              <a:t>Classify manually annotated proteins based on their sequence</a:t>
+              <a:t>Classify manually annotated proteins based on their sequence (~5000)</a:t>
             </a:r>
+            <a:br>
+              <a:rPr lang="en-GB" altLang="en-US" sz="3000" b="0" strike="noStrike" spc="-1">
+                <a:solidFill>
+                  <a:srgbClr val="000000"/>
+                </a:solidFill>
+                <a:latin typeface="Arial"/>
+              </a:rPr>
+            </a:br>
             <a:endParaRPr lang="en-GB" altLang="en-US" sz="3000" b="0" strike="noStrike" spc="-1">
               <a:solidFill>
                 <a:srgbClr val="000000"/>
@@ -11793,6 +11785,14 @@
               </a:rPr>
               <a:t>SeqVec embeddings 	    Random forest classifier</a:t>
             </a:r>
+            <a:br>
+              <a:rPr lang="en-GB" altLang="en-US" sz="3000" b="0" strike="noStrike" spc="-1">
+                <a:solidFill>
+                  <a:srgbClr val="000000"/>
+                </a:solidFill>
+                <a:latin typeface="Arial"/>
+              </a:rPr>
+            </a:br>
             <a:endParaRPr lang="en-GB" altLang="en-US" sz="3000" b="0" strike="noStrike" spc="-1">
               <a:solidFill>
                 <a:srgbClr val="000000"/>
@@ -11820,6 +11820,14 @@
               </a:rPr>
               <a:t>10-fold cross-validation</a:t>
             </a:r>
+            <a:br>
+              <a:rPr lang="en-GB" altLang="en-US" sz="3000" b="0" strike="noStrike" spc="-1">
+                <a:solidFill>
+                  <a:srgbClr val="000000"/>
+                </a:solidFill>
+                <a:latin typeface="Arial"/>
+              </a:rPr>
+            </a:br>
             <a:endParaRPr lang="en-GB" altLang="en-US" sz="3000" b="0" strike="noStrike" spc="-1">
               <a:solidFill>
                 <a:srgbClr val="000000"/>
@@ -11847,6 +11855,14 @@
               </a:rPr>
               <a:t>F1-score = 0.98433</a:t>
             </a:r>
+            <a:br>
+              <a:rPr lang="en-GB" altLang="en-US" sz="3000" b="0" strike="noStrike" spc="-1">
+                <a:solidFill>
+                  <a:srgbClr val="000000"/>
+                </a:solidFill>
+                <a:latin typeface="Arial"/>
+              </a:rPr>
+            </a:br>
             <a:endParaRPr lang="en-GB" altLang="en-US" sz="3000" b="0" strike="noStrike" spc="-1">
               <a:solidFill>
                 <a:srgbClr val="000000"/>
@@ -11912,7 +11928,7 @@
         </p:nvCxnSpPr>
         <p:spPr>
           <a:xfrm>
-            <a:off x="6149340" y="3940810"/>
+            <a:off x="5933440" y="4444365"/>
             <a:ext cx="575945" cy="0"/>
           </a:xfrm>
           <a:prstGeom prst="straightConnector1">
